--- a/kirazmakale/kirazmakale.pptx
+++ b/kirazmakale/kirazmakale.pptx
@@ -110,6 +110,11 @@
       </a:defRPr>
     </a:lvl9pPr>
   </p:defaultTextStyle>
+  <p:extLst>
+    <p:ext uri="{EFAFB233-063F-42B5-8137-9DF3F51BA10A}">
+      <p15:sldGuideLst xmlns:p15="http://schemas.microsoft.com/office/powerpoint/2012/main"/>
+    </p:ext>
+  </p:extLst>
 </p:presentation>
 </file>
 
@@ -428,7 +433,7 @@
             <a:fld id="{1449AA12-8195-4182-A7AC-2E7E59DFBDAF}" type="datetimeFigureOut">
               <a:rPr lang="en-US" smtClean="0"/>
               <a:pPr algn="r"/>
-              <a:t>11/15/2022</a:t>
+              <a:t>11/16/2022</a:t>
             </a:fld>
             <a:endParaRPr lang="en-US"/>
           </a:p>
@@ -644,7 +649,7 @@
           <a:p>
             <a:fld id="{1449AA12-8195-4182-A7AC-2E7E59DFBDAF}" type="datetimeFigureOut">
               <a:rPr lang="en-US" smtClean="0"/>
-              <a:t>11/15/2022</a:t>
+              <a:t>11/16/2022</a:t>
             </a:fld>
             <a:endParaRPr lang="en-US"/>
           </a:p>
@@ -1016,7 +1021,7 @@
           <a:p>
             <a:fld id="{1449AA12-8195-4182-A7AC-2E7E59DFBDAF}" type="datetimeFigureOut">
               <a:rPr lang="en-US" smtClean="0"/>
-              <a:t>11/15/2022</a:t>
+              <a:t>11/16/2022</a:t>
             </a:fld>
             <a:endParaRPr lang="en-US"/>
           </a:p>
@@ -1378,7 +1383,7 @@
           <a:p>
             <a:fld id="{1449AA12-8195-4182-A7AC-2E7E59DFBDAF}" type="datetimeFigureOut">
               <a:rPr lang="en-US" smtClean="0"/>
-              <a:t>11/15/2022</a:t>
+              <a:t>11/16/2022</a:t>
             </a:fld>
             <a:endParaRPr lang="en-US"/>
           </a:p>
@@ -1818,7 +1823,7 @@
           <a:p>
             <a:fld id="{1449AA12-8195-4182-A7AC-2E7E59DFBDAF}" type="datetimeFigureOut">
               <a:rPr lang="en-US" smtClean="0"/>
-              <a:t>11/15/2022</a:t>
+              <a:t>11/16/2022</a:t>
             </a:fld>
             <a:endParaRPr lang="en-US"/>
           </a:p>
@@ -2258,7 +2263,7 @@
           <a:p>
             <a:fld id="{1449AA12-8195-4182-A7AC-2E7E59DFBDAF}" type="datetimeFigureOut">
               <a:rPr lang="en-US" smtClean="0"/>
-              <a:t>11/15/2022</a:t>
+              <a:t>11/16/2022</a:t>
             </a:fld>
             <a:endParaRPr lang="en-US"/>
           </a:p>
@@ -2866,7 +2871,7 @@
           <a:p>
             <a:fld id="{1449AA12-8195-4182-A7AC-2E7E59DFBDAF}" type="datetimeFigureOut">
               <a:rPr lang="en-US" smtClean="0"/>
-              <a:t>11/15/2022</a:t>
+              <a:t>11/16/2022</a:t>
             </a:fld>
             <a:endParaRPr lang="en-US"/>
           </a:p>
@@ -3171,7 +3176,7 @@
           <a:p>
             <a:fld id="{1449AA12-8195-4182-A7AC-2E7E59DFBDAF}" type="datetimeFigureOut">
               <a:rPr lang="en-US" smtClean="0"/>
-              <a:t>11/15/2022</a:t>
+              <a:t>11/16/2022</a:t>
             </a:fld>
             <a:endParaRPr lang="en-US"/>
           </a:p>
@@ -3448,7 +3453,7 @@
           <a:p>
             <a:fld id="{1449AA12-8195-4182-A7AC-2E7E59DFBDAF}" type="datetimeFigureOut">
               <a:rPr lang="en-US" smtClean="0"/>
-              <a:t>11/15/2022</a:t>
+              <a:t>11/16/2022</a:t>
             </a:fld>
             <a:endParaRPr lang="en-US"/>
           </a:p>
@@ -3925,7 +3930,7 @@
           <a:p>
             <a:fld id="{1449AA12-8195-4182-A7AC-2E7E59DFBDAF}" type="datetimeFigureOut">
               <a:rPr lang="en-US" smtClean="0"/>
-              <a:t>11/15/2022</a:t>
+              <a:t>11/16/2022</a:t>
             </a:fld>
             <a:endParaRPr lang="en-US"/>
           </a:p>
@@ -4380,7 +4385,7 @@
           <a:p>
             <a:fld id="{1449AA12-8195-4182-A7AC-2E7E59DFBDAF}" type="datetimeFigureOut">
               <a:rPr lang="en-US" smtClean="0"/>
-              <a:t>11/15/2022</a:t>
+              <a:t>11/16/2022</a:t>
             </a:fld>
             <a:endParaRPr lang="en-US"/>
           </a:p>
@@ -4786,7 +4791,7 @@
             <a:fld id="{1449AA12-8195-4182-A7AC-2E7E59DFBDAF}" type="datetimeFigureOut">
               <a:rPr lang="en-US" smtClean="0"/>
               <a:pPr/>
-              <a:t>11/15/2022</a:t>
+              <a:t>11/16/2022</a:t>
             </a:fld>
             <a:endParaRPr lang="en-US"/>
           </a:p>
@@ -5779,7 +5784,7 @@
             </a:pPr>
             <a:r>
               <a:rPr lang="tr-TR" dirty="0"/>
-              <a:t>    Dünyada 1500 civarında çeşidi olan kiraz gülgiller familyasındandır. Kiraz dünyada geniş bir yayılım göstermektedir. Dünyada kiraz üretiminin yapıldığı önemli ülkelerin başında yaklaşık 500 bin ton üretimle Türkiye gelmektedir. Dünya meyve ticaretinde belirli standartlara göre sınıflandırılmış kaliteli ürünler tercih edilmektedir. r. Sınıflandırma işlemi insanlar ve makinalar ile gerçekleştirilebilmektedir ancak ürünlerdeki şekilsel farklılıklar ve insanlardan kaynaklanan hatalar nedeniyle verimli bir sınıflandırma yapılamamaktadır. Bu nedenle ölçümler sırasında görüntü işleme tekniklerinin tarım sektöründe önemli bir yeri vardır. Yapılan çalışmada, ülkemizde yaygın olarak yetiştirilen ve önemli ihracat ürünlerinden biri olan kiraz meyvesinin, Matlab R2013a programı kullanılarak büyüklüklerine göre sınıflandırılması amaçlanmıştır. Bu amaçla, görüntü işleme yöntemleri ile görüntünün arka planı siyah bir zemin haline getirilerek sınıflandırılacak kiraz meyvesinin arka planı temizlenmiştir. Daha sonra elde edilen görüntü çeşitli filtreleme işlemlerine tabi tutulmuş ve belirli algoritmalar ile kirazların sınır alanları belirlenmiştir. Sınırları belirlenen kirazlara ait boyut bilgisi hesaplanarak, kirazlara ait boyutsal sınıflandırma işlemi gerçekleştirilmiştir.</a:t>
+              <a:t>    Dünyada 1500 civarında çeşidi olan kiraz gülgiller familyasındandır. Kiraz dünyada geniş bir yayılım göstermektedir. Dünyada kiraz üretiminin yapıldığı önemli ülkelerin başında yaklaşık 500 bin ton üretimle Türkiye gelmektedir. Dünya meyve ticaretinde belirli standartlara göre sınıflandırılmış kaliteli ürünler tercih edilmektedir. Sınıflandırma işlemi insanlar ve makinalar ile gerçekleştirilebilmektedir ancak ürünlerdeki şekilsel farklılıklar ve insanlardan kaynaklanan hatalar nedeniyle verimli bir sınıflandırma yapılamamaktadır. Bu nedenle ölçümler sırasında görüntü işleme tekniklerinin tarım sektöründe önemli bir yeri vardır. Yapılan çalışmada, ülkemizde yaygın olarak yetiştirilen ve önemli ihracat ürünlerinden biri olan kiraz meyvesinin, Matlab R2013a programı kullanılarak büyüklüklerine göre sınıflandırılması amaçlanmıştır. Bu amaçla, görüntü işleme yöntemleri ile görüntünün arka planı siyah bir zemin haline getirilerek sınıflandırılacak kiraz meyvesinin arka planı temizlenmiştir. Daha sonra elde edilen görüntü çeşitli filtreleme işlemlerine tabi tutulmuş ve belirli algoritmalar ile kirazların sınır alanları belirlenmiştir. Sınırları belirlenen kirazlara ait boyut bilgisi hesaplanarak, kirazlara ait boyutsal sınıflandırma işlemi gerçekleştirilmiştir.</a:t>
             </a:r>
           </a:p>
         </p:txBody>
@@ -5941,7 +5946,7 @@
         </p:spPr>
         <p:txBody>
           <a:bodyPr>
-            <a:normAutofit lnSpcReduction="10000"/>
+            <a:normAutofit/>
           </a:bodyPr>
           <a:lstStyle/>
           <a:p>
@@ -5958,23 +5963,15 @@
             </a:r>
             <a:r>
               <a:rPr lang="tr-TR" dirty="0"/>
-              <a:t> gibi yazılım dillerinin yanı sıra amaca uygun çeşitli kütüphanelerde kullanılmaktadır. </a:t>
+              <a:t> gibi yazılım dillerinin yanı sıra amaca uygun çeşitli kütüphanelerde </a:t>
             </a:r>
             <a:r>
               <a:rPr lang="tr-TR" dirty="0" err="1"/>
-              <a:t>OpenCV</a:t>
+              <a:t>kullanılmaktadır.MATLAB</a:t>
             </a:r>
             <a:r>
               <a:rPr lang="tr-TR" dirty="0"/>
-              <a:t> gibi popüler kütüphanelerin </a:t>
-            </a:r>
-            <a:r>
-              <a:rPr lang="tr-TR" dirty="0" err="1"/>
-              <a:t>yanısıra</a:t>
-            </a:r>
-            <a:r>
-              <a:rPr lang="tr-TR" dirty="0"/>
-              <a:t> MATLAB programlama </a:t>
+              <a:t> programlama </a:t>
             </a:r>
             <a:r>
               <a:rPr lang="tr-TR" dirty="0" err="1"/>
@@ -5982,23 +5979,7 @@
             </a:r>
             <a:r>
               <a:rPr lang="tr-TR" dirty="0"/>
-              <a:t> görüntü işlemede en çok kullanılan programlama dilleri arasındadır. MATLAB (</a:t>
-            </a:r>
-            <a:r>
-              <a:rPr lang="tr-TR" dirty="0" err="1"/>
-              <a:t>MATrix</a:t>
-            </a:r>
-            <a:r>
-              <a:rPr lang="tr-TR" dirty="0"/>
-              <a:t> </a:t>
-            </a:r>
-            <a:r>
-              <a:rPr lang="tr-TR" dirty="0" err="1"/>
-              <a:t>LABoratory</a:t>
-            </a:r>
-            <a:r>
-              <a:rPr lang="tr-TR" dirty="0"/>
-              <a:t>), 1985’de C.B </a:t>
+              <a:t> görüntü işlemede en çok kullanılan programlama dilleri arasındadır. MATLAB , 1985’de C.B </a:t>
             </a:r>
             <a:r>
               <a:rPr lang="tr-TR" dirty="0" err="1"/>
